--- a/Azure Storage.pptx
+++ b/Azure Storage.pptx
@@ -21,6 +21,14 @@
     <p:sldId id="269" r:id="rId15"/>
     <p:sldId id="270" r:id="rId16"/>
     <p:sldId id="271" r:id="rId17"/>
+    <p:sldId id="279" r:id="rId18"/>
+    <p:sldId id="272" r:id="rId19"/>
+    <p:sldId id="273" r:id="rId20"/>
+    <p:sldId id="274" r:id="rId21"/>
+    <p:sldId id="275" r:id="rId22"/>
+    <p:sldId id="276" r:id="rId23"/>
+    <p:sldId id="277" r:id="rId24"/>
+    <p:sldId id="278" r:id="rId25"/>
   </p:sldIdLst>
   <p:sldSz cx="12192000" cy="6858000"/>
   <p:notesSz cx="6858000" cy="9144000"/>
@@ -119,6 +127,11 @@
       </a:defRPr>
     </a:lvl9pPr>
   </p:defaultTextStyle>
+  <p:extLst>
+    <p:ext uri="{EFAFB233-063F-42B5-8137-9DF3F51BA10A}">
+      <p15:sldGuideLst xmlns:p15="http://schemas.microsoft.com/office/powerpoint/2012/main"/>
+    </p:ext>
+  </p:extLst>
 </p:presentation>
 </file>
 
@@ -1324,7 +1337,7 @@
           <a:p>
             <a:fld id="{41BFE231-094B-4A7C-B1FD-FD594EB8057A}" type="datetimeFigureOut">
               <a:rPr lang="en-IN" smtClean="0"/>
-              <a:t>17-07-2022</a:t>
+              <a:t>23-07-2022</a:t>
             </a:fld>
             <a:endParaRPr lang="en-IN"/>
           </a:p>
@@ -1524,7 +1537,7 @@
           <a:p>
             <a:fld id="{41BFE231-094B-4A7C-B1FD-FD594EB8057A}" type="datetimeFigureOut">
               <a:rPr lang="en-IN" smtClean="0"/>
-              <a:t>17-07-2022</a:t>
+              <a:t>23-07-2022</a:t>
             </a:fld>
             <a:endParaRPr lang="en-IN"/>
           </a:p>
@@ -1734,7 +1747,7 @@
           <a:p>
             <a:fld id="{41BFE231-094B-4A7C-B1FD-FD594EB8057A}" type="datetimeFigureOut">
               <a:rPr lang="en-IN" smtClean="0"/>
-              <a:t>17-07-2022</a:t>
+              <a:t>23-07-2022</a:t>
             </a:fld>
             <a:endParaRPr lang="en-IN"/>
           </a:p>
@@ -1934,7 +1947,7 @@
           <a:p>
             <a:fld id="{41BFE231-094B-4A7C-B1FD-FD594EB8057A}" type="datetimeFigureOut">
               <a:rPr lang="en-IN" smtClean="0"/>
-              <a:t>17-07-2022</a:t>
+              <a:t>23-07-2022</a:t>
             </a:fld>
             <a:endParaRPr lang="en-IN"/>
           </a:p>
@@ -2210,7 +2223,7 @@
           <a:p>
             <a:fld id="{41BFE231-094B-4A7C-B1FD-FD594EB8057A}" type="datetimeFigureOut">
               <a:rPr lang="en-IN" smtClean="0"/>
-              <a:t>17-07-2022</a:t>
+              <a:t>23-07-2022</a:t>
             </a:fld>
             <a:endParaRPr lang="en-IN"/>
           </a:p>
@@ -2478,7 +2491,7 @@
           <a:p>
             <a:fld id="{41BFE231-094B-4A7C-B1FD-FD594EB8057A}" type="datetimeFigureOut">
               <a:rPr lang="en-IN" smtClean="0"/>
-              <a:t>17-07-2022</a:t>
+              <a:t>23-07-2022</a:t>
             </a:fld>
             <a:endParaRPr lang="en-IN"/>
           </a:p>
@@ -2893,7 +2906,7 @@
           <a:p>
             <a:fld id="{41BFE231-094B-4A7C-B1FD-FD594EB8057A}" type="datetimeFigureOut">
               <a:rPr lang="en-IN" smtClean="0"/>
-              <a:t>17-07-2022</a:t>
+              <a:t>23-07-2022</a:t>
             </a:fld>
             <a:endParaRPr lang="en-IN"/>
           </a:p>
@@ -3035,7 +3048,7 @@
           <a:p>
             <a:fld id="{41BFE231-094B-4A7C-B1FD-FD594EB8057A}" type="datetimeFigureOut">
               <a:rPr lang="en-IN" smtClean="0"/>
-              <a:t>17-07-2022</a:t>
+              <a:t>23-07-2022</a:t>
             </a:fld>
             <a:endParaRPr lang="en-IN"/>
           </a:p>
@@ -3148,7 +3161,7 @@
           <a:p>
             <a:fld id="{41BFE231-094B-4A7C-B1FD-FD594EB8057A}" type="datetimeFigureOut">
               <a:rPr lang="en-IN" smtClean="0"/>
-              <a:t>17-07-2022</a:t>
+              <a:t>23-07-2022</a:t>
             </a:fld>
             <a:endParaRPr lang="en-IN"/>
           </a:p>
@@ -3461,7 +3474,7 @@
           <a:p>
             <a:fld id="{41BFE231-094B-4A7C-B1FD-FD594EB8057A}" type="datetimeFigureOut">
               <a:rPr lang="en-IN" smtClean="0"/>
-              <a:t>17-07-2022</a:t>
+              <a:t>23-07-2022</a:t>
             </a:fld>
             <a:endParaRPr lang="en-IN"/>
           </a:p>
@@ -3750,7 +3763,7 @@
           <a:p>
             <a:fld id="{41BFE231-094B-4A7C-B1FD-FD594EB8057A}" type="datetimeFigureOut">
               <a:rPr lang="en-IN" smtClean="0"/>
-              <a:t>17-07-2022</a:t>
+              <a:t>23-07-2022</a:t>
             </a:fld>
             <a:endParaRPr lang="en-IN"/>
           </a:p>
@@ -3993,7 +4006,7 @@
           <a:p>
             <a:fld id="{41BFE231-094B-4A7C-B1FD-FD594EB8057A}" type="datetimeFigureOut">
               <a:rPr lang="en-IN" smtClean="0"/>
-              <a:t>17-07-2022</a:t>
+              <a:t>23-07-2022</a:t>
             </a:fld>
             <a:endParaRPr lang="en-IN"/>
           </a:p>
@@ -5145,8 +5158,8 @@
             <a:chExt cx="823680" cy="289080"/>
           </a:xfrm>
         </p:grpSpPr>
-        <mc:AlternateContent xmlns:mc="http://schemas.openxmlformats.org/markup-compatibility/2006">
-          <mc:Choice xmlns:p14="http://schemas.microsoft.com/office/powerpoint/2010/main" Requires="p14">
+        <mc:AlternateContent xmlns:mc="http://schemas.openxmlformats.org/markup-compatibility/2006" xmlns:p14="http://schemas.microsoft.com/office/powerpoint/2010/main">
+          <mc:Choice Requires="p14">
             <p:contentPart p14:bwMode="auto" r:id="rId2">
               <p14:nvContentPartPr>
                 <p14:cNvPr id="4" name="Ink 3">
@@ -5165,7 +5178,7 @@
               </p14:xfrm>
             </p:contentPart>
           </mc:Choice>
-          <mc:Fallback>
+          <mc:Fallback xmlns="">
             <p:pic>
               <p:nvPicPr>
                 <p:cNvPr id="4" name="Ink 3">
@@ -5196,8 +5209,8 @@
             </p:pic>
           </mc:Fallback>
         </mc:AlternateContent>
-        <mc:AlternateContent xmlns:mc="http://schemas.openxmlformats.org/markup-compatibility/2006">
-          <mc:Choice xmlns:p14="http://schemas.microsoft.com/office/powerpoint/2010/main" Requires="p14">
+        <mc:AlternateContent xmlns:mc="http://schemas.openxmlformats.org/markup-compatibility/2006" xmlns:p14="http://schemas.microsoft.com/office/powerpoint/2010/main">
+          <mc:Choice Requires="p14">
             <p:contentPart p14:bwMode="auto" r:id="rId4">
               <p14:nvContentPartPr>
                 <p14:cNvPr id="5" name="Ink 4">
@@ -5216,7 +5229,7 @@
               </p14:xfrm>
             </p:contentPart>
           </mc:Choice>
-          <mc:Fallback>
+          <mc:Fallback xmlns="">
             <p:pic>
               <p:nvPicPr>
                 <p:cNvPr id="5" name="Ink 4">
@@ -5247,8 +5260,8 @@
             </p:pic>
           </mc:Fallback>
         </mc:AlternateContent>
-        <mc:AlternateContent xmlns:mc="http://schemas.openxmlformats.org/markup-compatibility/2006">
-          <mc:Choice xmlns:p14="http://schemas.microsoft.com/office/powerpoint/2010/main" Requires="p14">
+        <mc:AlternateContent xmlns:mc="http://schemas.openxmlformats.org/markup-compatibility/2006" xmlns:p14="http://schemas.microsoft.com/office/powerpoint/2010/main">
+          <mc:Choice Requires="p14">
             <p:contentPart p14:bwMode="auto" r:id="rId6">
               <p14:nvContentPartPr>
                 <p14:cNvPr id="6" name="Ink 5">
@@ -5267,7 +5280,7 @@
               </p14:xfrm>
             </p:contentPart>
           </mc:Choice>
-          <mc:Fallback>
+          <mc:Fallback xmlns="">
             <p:pic>
               <p:nvPicPr>
                 <p:cNvPr id="6" name="Ink 5">
@@ -5298,8 +5311,8 @@
             </p:pic>
           </mc:Fallback>
         </mc:AlternateContent>
-        <mc:AlternateContent xmlns:mc="http://schemas.openxmlformats.org/markup-compatibility/2006">
-          <mc:Choice xmlns:p14="http://schemas.microsoft.com/office/powerpoint/2010/main" Requires="p14">
+        <mc:AlternateContent xmlns:mc="http://schemas.openxmlformats.org/markup-compatibility/2006" xmlns:p14="http://schemas.microsoft.com/office/powerpoint/2010/main">
+          <mc:Choice Requires="p14">
             <p:contentPart p14:bwMode="auto" r:id="rId8">
               <p14:nvContentPartPr>
                 <p14:cNvPr id="7" name="Ink 6">
@@ -5318,7 +5331,7 @@
               </p14:xfrm>
             </p:contentPart>
           </mc:Choice>
-          <mc:Fallback>
+          <mc:Fallback xmlns="">
             <p:pic>
               <p:nvPicPr>
                 <p:cNvPr id="7" name="Ink 6">
@@ -5349,8 +5362,8 @@
             </p:pic>
           </mc:Fallback>
         </mc:AlternateContent>
-        <mc:AlternateContent xmlns:mc="http://schemas.openxmlformats.org/markup-compatibility/2006">
-          <mc:Choice xmlns:p14="http://schemas.microsoft.com/office/powerpoint/2010/main" Requires="p14">
+        <mc:AlternateContent xmlns:mc="http://schemas.openxmlformats.org/markup-compatibility/2006" xmlns:p14="http://schemas.microsoft.com/office/powerpoint/2010/main">
+          <mc:Choice Requires="p14">
             <p:contentPart p14:bwMode="auto" r:id="rId10">
               <p14:nvContentPartPr>
                 <p14:cNvPr id="8" name="Ink 7">
@@ -5369,7 +5382,7 @@
               </p14:xfrm>
             </p:contentPart>
           </mc:Choice>
-          <mc:Fallback>
+          <mc:Fallback xmlns="">
             <p:pic>
               <p:nvPicPr>
                 <p:cNvPr id="8" name="Ink 7">
@@ -5400,8 +5413,8 @@
             </p:pic>
           </mc:Fallback>
         </mc:AlternateContent>
-        <mc:AlternateContent xmlns:mc="http://schemas.openxmlformats.org/markup-compatibility/2006">
-          <mc:Choice xmlns:p14="http://schemas.microsoft.com/office/powerpoint/2010/main" Requires="p14">
+        <mc:AlternateContent xmlns:mc="http://schemas.openxmlformats.org/markup-compatibility/2006" xmlns:p14="http://schemas.microsoft.com/office/powerpoint/2010/main">
+          <mc:Choice Requires="p14">
             <p:contentPart p14:bwMode="auto" r:id="rId12">
               <p14:nvContentPartPr>
                 <p14:cNvPr id="9" name="Ink 8">
@@ -5420,7 +5433,7 @@
               </p14:xfrm>
             </p:contentPart>
           </mc:Choice>
-          <mc:Fallback>
+          <mc:Fallback xmlns="">
             <p:pic>
               <p:nvPicPr>
                 <p:cNvPr id="9" name="Ink 8">
@@ -5472,8 +5485,8 @@
             <a:chExt cx="464760" cy="218520"/>
           </a:xfrm>
         </p:grpSpPr>
-        <mc:AlternateContent xmlns:mc="http://schemas.openxmlformats.org/markup-compatibility/2006">
-          <mc:Choice xmlns:p14="http://schemas.microsoft.com/office/powerpoint/2010/main" Requires="p14">
+        <mc:AlternateContent xmlns:mc="http://schemas.openxmlformats.org/markup-compatibility/2006" xmlns:p14="http://schemas.microsoft.com/office/powerpoint/2010/main">
+          <mc:Choice Requires="p14">
             <p:contentPart p14:bwMode="auto" r:id="rId14">
               <p14:nvContentPartPr>
                 <p14:cNvPr id="11" name="Ink 10">
@@ -5492,7 +5505,7 @@
               </p14:xfrm>
             </p:contentPart>
           </mc:Choice>
-          <mc:Fallback>
+          <mc:Fallback xmlns="">
             <p:pic>
               <p:nvPicPr>
                 <p:cNvPr id="11" name="Ink 10">
@@ -5523,8 +5536,8 @@
             </p:pic>
           </mc:Fallback>
         </mc:AlternateContent>
-        <mc:AlternateContent xmlns:mc="http://schemas.openxmlformats.org/markup-compatibility/2006">
-          <mc:Choice xmlns:p14="http://schemas.microsoft.com/office/powerpoint/2010/main" Requires="p14">
+        <mc:AlternateContent xmlns:mc="http://schemas.openxmlformats.org/markup-compatibility/2006" xmlns:p14="http://schemas.microsoft.com/office/powerpoint/2010/main">
+          <mc:Choice Requires="p14">
             <p:contentPart p14:bwMode="auto" r:id="rId16">
               <p14:nvContentPartPr>
                 <p14:cNvPr id="12" name="Ink 11">
@@ -5543,7 +5556,7 @@
               </p14:xfrm>
             </p:contentPart>
           </mc:Choice>
-          <mc:Fallback>
+          <mc:Fallback xmlns="">
             <p:pic>
               <p:nvPicPr>
                 <p:cNvPr id="12" name="Ink 11">
@@ -5574,8 +5587,8 @@
             </p:pic>
           </mc:Fallback>
         </mc:AlternateContent>
-        <mc:AlternateContent xmlns:mc="http://schemas.openxmlformats.org/markup-compatibility/2006">
-          <mc:Choice xmlns:p14="http://schemas.microsoft.com/office/powerpoint/2010/main" Requires="p14">
+        <mc:AlternateContent xmlns:mc="http://schemas.openxmlformats.org/markup-compatibility/2006" xmlns:p14="http://schemas.microsoft.com/office/powerpoint/2010/main">
+          <mc:Choice Requires="p14">
             <p:contentPart p14:bwMode="auto" r:id="rId18">
               <p14:nvContentPartPr>
                 <p14:cNvPr id="13" name="Ink 12">
@@ -5594,7 +5607,7 @@
               </p14:xfrm>
             </p:contentPart>
           </mc:Choice>
-          <mc:Fallback>
+          <mc:Fallback xmlns="">
             <p:pic>
               <p:nvPicPr>
                 <p:cNvPr id="13" name="Ink 12">
@@ -5625,8 +5638,8 @@
             </p:pic>
           </mc:Fallback>
         </mc:AlternateContent>
-        <mc:AlternateContent xmlns:mc="http://schemas.openxmlformats.org/markup-compatibility/2006">
-          <mc:Choice xmlns:p14="http://schemas.microsoft.com/office/powerpoint/2010/main" Requires="p14">
+        <mc:AlternateContent xmlns:mc="http://schemas.openxmlformats.org/markup-compatibility/2006" xmlns:p14="http://schemas.microsoft.com/office/powerpoint/2010/main">
+          <mc:Choice Requires="p14">
             <p:contentPart p14:bwMode="auto" r:id="rId20">
               <p14:nvContentPartPr>
                 <p14:cNvPr id="14" name="Ink 13">
@@ -5645,7 +5658,7 @@
               </p14:xfrm>
             </p:contentPart>
           </mc:Choice>
-          <mc:Fallback>
+          <mc:Fallback xmlns="">
             <p:pic>
               <p:nvPicPr>
                 <p:cNvPr id="14" name="Ink 13">
@@ -5697,8 +5710,8 @@
             <a:chExt cx="1648080" cy="442440"/>
           </a:xfrm>
         </p:grpSpPr>
-        <mc:AlternateContent xmlns:mc="http://schemas.openxmlformats.org/markup-compatibility/2006">
-          <mc:Choice xmlns:p14="http://schemas.microsoft.com/office/powerpoint/2010/main" Requires="p14">
+        <mc:AlternateContent xmlns:mc="http://schemas.openxmlformats.org/markup-compatibility/2006" xmlns:p14="http://schemas.microsoft.com/office/powerpoint/2010/main">
+          <mc:Choice Requires="p14">
             <p:contentPart p14:bwMode="auto" r:id="rId22">
               <p14:nvContentPartPr>
                 <p14:cNvPr id="16" name="Ink 15">
@@ -5717,7 +5730,7 @@
               </p14:xfrm>
             </p:contentPart>
           </mc:Choice>
-          <mc:Fallback>
+          <mc:Fallback xmlns="">
             <p:pic>
               <p:nvPicPr>
                 <p:cNvPr id="16" name="Ink 15">
@@ -5748,8 +5761,8 @@
             </p:pic>
           </mc:Fallback>
         </mc:AlternateContent>
-        <mc:AlternateContent xmlns:mc="http://schemas.openxmlformats.org/markup-compatibility/2006">
-          <mc:Choice xmlns:p14="http://schemas.microsoft.com/office/powerpoint/2010/main" Requires="p14">
+        <mc:AlternateContent xmlns:mc="http://schemas.openxmlformats.org/markup-compatibility/2006" xmlns:p14="http://schemas.microsoft.com/office/powerpoint/2010/main">
+          <mc:Choice Requires="p14">
             <p:contentPart p14:bwMode="auto" r:id="rId24">
               <p14:nvContentPartPr>
                 <p14:cNvPr id="17" name="Ink 16">
@@ -5768,7 +5781,7 @@
               </p14:xfrm>
             </p:contentPart>
           </mc:Choice>
-          <mc:Fallback>
+          <mc:Fallback xmlns="">
             <p:pic>
               <p:nvPicPr>
                 <p:cNvPr id="17" name="Ink 16">
@@ -5799,8 +5812,8 @@
             </p:pic>
           </mc:Fallback>
         </mc:AlternateContent>
-        <mc:AlternateContent xmlns:mc="http://schemas.openxmlformats.org/markup-compatibility/2006">
-          <mc:Choice xmlns:p14="http://schemas.microsoft.com/office/powerpoint/2010/main" Requires="p14">
+        <mc:AlternateContent xmlns:mc="http://schemas.openxmlformats.org/markup-compatibility/2006" xmlns:p14="http://schemas.microsoft.com/office/powerpoint/2010/main">
+          <mc:Choice Requires="p14">
             <p:contentPart p14:bwMode="auto" r:id="rId26">
               <p14:nvContentPartPr>
                 <p14:cNvPr id="18" name="Ink 17">
@@ -5819,7 +5832,7 @@
               </p14:xfrm>
             </p:contentPart>
           </mc:Choice>
-          <mc:Fallback>
+          <mc:Fallback xmlns="">
             <p:pic>
               <p:nvPicPr>
                 <p:cNvPr id="18" name="Ink 17">
@@ -5850,8 +5863,8 @@
             </p:pic>
           </mc:Fallback>
         </mc:AlternateContent>
-        <mc:AlternateContent xmlns:mc="http://schemas.openxmlformats.org/markup-compatibility/2006">
-          <mc:Choice xmlns:p14="http://schemas.microsoft.com/office/powerpoint/2010/main" Requires="p14">
+        <mc:AlternateContent xmlns:mc="http://schemas.openxmlformats.org/markup-compatibility/2006" xmlns:p14="http://schemas.microsoft.com/office/powerpoint/2010/main">
+          <mc:Choice Requires="p14">
             <p:contentPart p14:bwMode="auto" r:id="rId28">
               <p14:nvContentPartPr>
                 <p14:cNvPr id="19" name="Ink 18">
@@ -5870,7 +5883,7 @@
               </p14:xfrm>
             </p:contentPart>
           </mc:Choice>
-          <mc:Fallback>
+          <mc:Fallback xmlns="">
             <p:pic>
               <p:nvPicPr>
                 <p:cNvPr id="19" name="Ink 18">
@@ -5901,8 +5914,8 @@
             </p:pic>
           </mc:Fallback>
         </mc:AlternateContent>
-        <mc:AlternateContent xmlns:mc="http://schemas.openxmlformats.org/markup-compatibility/2006">
-          <mc:Choice xmlns:p14="http://schemas.microsoft.com/office/powerpoint/2010/main" Requires="p14">
+        <mc:AlternateContent xmlns:mc="http://schemas.openxmlformats.org/markup-compatibility/2006" xmlns:p14="http://schemas.microsoft.com/office/powerpoint/2010/main">
+          <mc:Choice Requires="p14">
             <p:contentPart p14:bwMode="auto" r:id="rId30">
               <p14:nvContentPartPr>
                 <p14:cNvPr id="20" name="Ink 19">
@@ -5921,7 +5934,7 @@
               </p14:xfrm>
             </p:contentPart>
           </mc:Choice>
-          <mc:Fallback>
+          <mc:Fallback xmlns="">
             <p:pic>
               <p:nvPicPr>
                 <p:cNvPr id="20" name="Ink 19">
@@ -5952,8 +5965,8 @@
             </p:pic>
           </mc:Fallback>
         </mc:AlternateContent>
-        <mc:AlternateContent xmlns:mc="http://schemas.openxmlformats.org/markup-compatibility/2006">
-          <mc:Choice xmlns:p14="http://schemas.microsoft.com/office/powerpoint/2010/main" Requires="p14">
+        <mc:AlternateContent xmlns:mc="http://schemas.openxmlformats.org/markup-compatibility/2006" xmlns:p14="http://schemas.microsoft.com/office/powerpoint/2010/main">
+          <mc:Choice Requires="p14">
             <p:contentPart p14:bwMode="auto" r:id="rId32">
               <p14:nvContentPartPr>
                 <p14:cNvPr id="21" name="Ink 20">
@@ -5972,7 +5985,7 @@
               </p14:xfrm>
             </p:contentPart>
           </mc:Choice>
-          <mc:Fallback>
+          <mc:Fallback xmlns="">
             <p:pic>
               <p:nvPicPr>
                 <p:cNvPr id="21" name="Ink 20">
@@ -6003,8 +6016,8 @@
             </p:pic>
           </mc:Fallback>
         </mc:AlternateContent>
-        <mc:AlternateContent xmlns:mc="http://schemas.openxmlformats.org/markup-compatibility/2006">
-          <mc:Choice xmlns:p14="http://schemas.microsoft.com/office/powerpoint/2010/main" Requires="p14">
+        <mc:AlternateContent xmlns:mc="http://schemas.openxmlformats.org/markup-compatibility/2006" xmlns:p14="http://schemas.microsoft.com/office/powerpoint/2010/main">
+          <mc:Choice Requires="p14">
             <p:contentPart p14:bwMode="auto" r:id="rId34">
               <p14:nvContentPartPr>
                 <p14:cNvPr id="22" name="Ink 21">
@@ -6023,7 +6036,7 @@
               </p14:xfrm>
             </p:contentPart>
           </mc:Choice>
-          <mc:Fallback>
+          <mc:Fallback xmlns="">
             <p:pic>
               <p:nvPicPr>
                 <p:cNvPr id="22" name="Ink 21">
@@ -6054,8 +6067,8 @@
             </p:pic>
           </mc:Fallback>
         </mc:AlternateContent>
-        <mc:AlternateContent xmlns:mc="http://schemas.openxmlformats.org/markup-compatibility/2006">
-          <mc:Choice xmlns:p14="http://schemas.microsoft.com/office/powerpoint/2010/main" Requires="p14">
+        <mc:AlternateContent xmlns:mc="http://schemas.openxmlformats.org/markup-compatibility/2006" xmlns:p14="http://schemas.microsoft.com/office/powerpoint/2010/main">
+          <mc:Choice Requires="p14">
             <p:contentPart p14:bwMode="auto" r:id="rId36">
               <p14:nvContentPartPr>
                 <p14:cNvPr id="23" name="Ink 22">
@@ -6074,7 +6087,7 @@
               </p14:xfrm>
             </p:contentPart>
           </mc:Choice>
-          <mc:Fallback>
+          <mc:Fallback xmlns="">
             <p:pic>
               <p:nvPicPr>
                 <p:cNvPr id="23" name="Ink 22">
@@ -6105,8 +6118,8 @@
             </p:pic>
           </mc:Fallback>
         </mc:AlternateContent>
-        <mc:AlternateContent xmlns:mc="http://schemas.openxmlformats.org/markup-compatibility/2006">
-          <mc:Choice xmlns:p14="http://schemas.microsoft.com/office/powerpoint/2010/main" Requires="p14">
+        <mc:AlternateContent xmlns:mc="http://schemas.openxmlformats.org/markup-compatibility/2006" xmlns:p14="http://schemas.microsoft.com/office/powerpoint/2010/main">
+          <mc:Choice Requires="p14">
             <p:contentPart p14:bwMode="auto" r:id="rId38">
               <p14:nvContentPartPr>
                 <p14:cNvPr id="24" name="Ink 23">
@@ -6125,7 +6138,7 @@
               </p14:xfrm>
             </p:contentPart>
           </mc:Choice>
-          <mc:Fallback>
+          <mc:Fallback xmlns="">
             <p:pic>
               <p:nvPicPr>
                 <p:cNvPr id="24" name="Ink 23">
@@ -6156,8 +6169,8 @@
             </p:pic>
           </mc:Fallback>
         </mc:AlternateContent>
-        <mc:AlternateContent xmlns:mc="http://schemas.openxmlformats.org/markup-compatibility/2006">
-          <mc:Choice xmlns:p14="http://schemas.microsoft.com/office/powerpoint/2010/main" Requires="p14">
+        <mc:AlternateContent xmlns:mc="http://schemas.openxmlformats.org/markup-compatibility/2006" xmlns:p14="http://schemas.microsoft.com/office/powerpoint/2010/main">
+          <mc:Choice Requires="p14">
             <p:contentPart p14:bwMode="auto" r:id="rId40">
               <p14:nvContentPartPr>
                 <p14:cNvPr id="25" name="Ink 24">
@@ -6176,7 +6189,7 @@
               </p14:xfrm>
             </p:contentPart>
           </mc:Choice>
-          <mc:Fallback>
+          <mc:Fallback xmlns="">
             <p:pic>
               <p:nvPicPr>
                 <p:cNvPr id="25" name="Ink 24">
@@ -6207,8 +6220,8 @@
             </p:pic>
           </mc:Fallback>
         </mc:AlternateContent>
-        <mc:AlternateContent xmlns:mc="http://schemas.openxmlformats.org/markup-compatibility/2006">
-          <mc:Choice xmlns:p14="http://schemas.microsoft.com/office/powerpoint/2010/main" Requires="p14">
+        <mc:AlternateContent xmlns:mc="http://schemas.openxmlformats.org/markup-compatibility/2006" xmlns:p14="http://schemas.microsoft.com/office/powerpoint/2010/main">
+          <mc:Choice Requires="p14">
             <p:contentPart p14:bwMode="auto" r:id="rId42">
               <p14:nvContentPartPr>
                 <p14:cNvPr id="26" name="Ink 25">
@@ -6227,7 +6240,7 @@
               </p14:xfrm>
             </p:contentPart>
           </mc:Choice>
-          <mc:Fallback>
+          <mc:Fallback xmlns="">
             <p:pic>
               <p:nvPicPr>
                 <p:cNvPr id="26" name="Ink 25">
@@ -6258,8 +6271,8 @@
             </p:pic>
           </mc:Fallback>
         </mc:AlternateContent>
-        <mc:AlternateContent xmlns:mc="http://schemas.openxmlformats.org/markup-compatibility/2006">
-          <mc:Choice xmlns:p14="http://schemas.microsoft.com/office/powerpoint/2010/main" Requires="p14">
+        <mc:AlternateContent xmlns:mc="http://schemas.openxmlformats.org/markup-compatibility/2006" xmlns:p14="http://schemas.microsoft.com/office/powerpoint/2010/main">
+          <mc:Choice Requires="p14">
             <p:contentPart p14:bwMode="auto" r:id="rId44">
               <p14:nvContentPartPr>
                 <p14:cNvPr id="27" name="Ink 26">
@@ -6278,7 +6291,7 @@
               </p14:xfrm>
             </p:contentPart>
           </mc:Choice>
-          <mc:Fallback>
+          <mc:Fallback xmlns="">
             <p:pic>
               <p:nvPicPr>
                 <p:cNvPr id="27" name="Ink 26">
@@ -6425,6 +6438,280 @@
 </p:sld>
 </file>
 
+<file path=ppt/slides/slide17.xml><?xml version="1.0" encoding="utf-8"?>
+<p:sld xmlns:a="http://schemas.openxmlformats.org/drawingml/2006/main" xmlns:r="http://schemas.openxmlformats.org/officeDocument/2006/relationships" xmlns:p="http://schemas.openxmlformats.org/presentationml/2006/main">
+  <p:cSld>
+    <p:spTree>
+      <p:nvGrpSpPr>
+        <p:cNvPr id="1" name=""/>
+        <p:cNvGrpSpPr/>
+        <p:nvPr/>
+      </p:nvGrpSpPr>
+      <p:grpSpPr>
+        <a:xfrm>
+          <a:off x="0" y="0"/>
+          <a:ext cx="0" cy="0"/>
+          <a:chOff x="0" y="0"/>
+          <a:chExt cx="0" cy="0"/>
+        </a:xfrm>
+      </p:grpSpPr>
+      <p:sp>
+        <p:nvSpPr>
+          <p:cNvPr id="2" name="Title 1">
+            <a:extLst>
+              <a:ext uri="{FF2B5EF4-FFF2-40B4-BE49-F238E27FC236}">
+                <a16:creationId xmlns:a16="http://schemas.microsoft.com/office/drawing/2014/main" id="{08A0AEF3-A927-555A-E764-0BA4BB557C82}"/>
+              </a:ext>
+            </a:extLst>
+          </p:cNvPr>
+          <p:cNvSpPr>
+            <a:spLocks noGrp="1"/>
+          </p:cNvSpPr>
+          <p:nvPr>
+            <p:ph type="title"/>
+          </p:nvPr>
+        </p:nvSpPr>
+        <p:spPr/>
+        <p:txBody>
+          <a:bodyPr/>
+          <a:lstStyle/>
+          <a:p>
+            <a:r>
+              <a:rPr lang="en-US" dirty="0"/>
+              <a:t>Configuring SAS</a:t>
+            </a:r>
+            <a:endParaRPr lang="en-IN" dirty="0"/>
+          </a:p>
+        </p:txBody>
+      </p:sp>
+      <p:sp>
+        <p:nvSpPr>
+          <p:cNvPr id="3" name="Content Placeholder 2">
+            <a:extLst>
+              <a:ext uri="{FF2B5EF4-FFF2-40B4-BE49-F238E27FC236}">
+                <a16:creationId xmlns:a16="http://schemas.microsoft.com/office/drawing/2014/main" id="{608C6CE6-7F97-01A2-4E11-C117C022E7B6}"/>
+              </a:ext>
+            </a:extLst>
+          </p:cNvPr>
+          <p:cNvSpPr>
+            <a:spLocks noGrp="1"/>
+          </p:cNvSpPr>
+          <p:nvPr>
+            <p:ph idx="1"/>
+          </p:nvPr>
+        </p:nvSpPr>
+        <p:spPr/>
+        <p:txBody>
+          <a:bodyPr/>
+          <a:lstStyle/>
+          <a:p>
+            <a:r>
+              <a:rPr lang="en-US" dirty="0"/>
+              <a:t>URI = Storage Resource + SAS Token</a:t>
+            </a:r>
+          </a:p>
+          <a:p>
+            <a:r>
+              <a:rPr lang="en-IN" dirty="0">
+                <a:hlinkClick r:id="rId2"/>
+              </a:rPr>
+              <a:t>https://ayush24july.file.core.windows.net/ayush/finance/2022/Image%20-%201.jpg</a:t>
+            </a:r>
+            <a:endParaRPr lang="en-IN" dirty="0"/>
+          </a:p>
+          <a:p>
+            <a:r>
+              <a:rPr lang="en-IN" dirty="0"/>
+              <a:t>?sv=2021-06-08&amp;ss=bfqt&amp;srt=sco&amp;sp=rwdlacupiytfx&amp;se=2022-07-23T12:21:33Z&amp;st=2022-07-23T04:21:33Z&amp;spr=https&amp;sig=LvtyOlMrUQ9MLlphWcltJ0GZ14qsoxOl%2BtKf97Jrebg%3D</a:t>
+            </a:r>
+          </a:p>
+        </p:txBody>
+      </p:sp>
+    </p:spTree>
+    <p:extLst>
+      <p:ext uri="{BB962C8B-B14F-4D97-AF65-F5344CB8AC3E}">
+        <p14:creationId xmlns:p14="http://schemas.microsoft.com/office/powerpoint/2010/main" val="1969348774"/>
+      </p:ext>
+    </p:extLst>
+  </p:cSld>
+  <p:clrMapOvr>
+    <a:masterClrMapping/>
+  </p:clrMapOvr>
+</p:sld>
+</file>
+
+<file path=ppt/slides/slide18.xml><?xml version="1.0" encoding="utf-8"?>
+<p:sld xmlns:a="http://schemas.openxmlformats.org/drawingml/2006/main" xmlns:r="http://schemas.openxmlformats.org/officeDocument/2006/relationships" xmlns:p="http://schemas.openxmlformats.org/presentationml/2006/main">
+  <p:cSld>
+    <p:spTree>
+      <p:nvGrpSpPr>
+        <p:cNvPr id="1" name=""/>
+        <p:cNvGrpSpPr/>
+        <p:nvPr/>
+      </p:nvGrpSpPr>
+      <p:grpSpPr>
+        <a:xfrm>
+          <a:off x="0" y="0"/>
+          <a:ext cx="0" cy="0"/>
+          <a:chOff x="0" y="0"/>
+          <a:chExt cx="0" cy="0"/>
+        </a:xfrm>
+      </p:grpSpPr>
+      <p:sp>
+        <p:nvSpPr>
+          <p:cNvPr id="2" name="Title 1">
+            <a:extLst>
+              <a:ext uri="{FF2B5EF4-FFF2-40B4-BE49-F238E27FC236}">
+                <a16:creationId xmlns:a16="http://schemas.microsoft.com/office/drawing/2014/main" id="{6F853902-49B1-AB4B-F93C-3DB36AB528A9}"/>
+              </a:ext>
+            </a:extLst>
+          </p:cNvPr>
+          <p:cNvSpPr>
+            <a:spLocks noGrp="1"/>
+          </p:cNvSpPr>
+          <p:nvPr>
+            <p:ph type="ctrTitle"/>
+          </p:nvPr>
+        </p:nvSpPr>
+        <p:spPr/>
+        <p:txBody>
+          <a:bodyPr/>
+          <a:lstStyle/>
+          <a:p>
+            <a:r>
+              <a:rPr lang="en-US" dirty="0"/>
+              <a:t>Azure Files</a:t>
+            </a:r>
+            <a:endParaRPr lang="en-IN" dirty="0"/>
+          </a:p>
+        </p:txBody>
+      </p:sp>
+      <p:sp>
+        <p:nvSpPr>
+          <p:cNvPr id="3" name="Subtitle 2">
+            <a:extLst>
+              <a:ext uri="{FF2B5EF4-FFF2-40B4-BE49-F238E27FC236}">
+                <a16:creationId xmlns:a16="http://schemas.microsoft.com/office/drawing/2014/main" id="{0E781C27-1BD6-2AA3-3F88-63E84077F1D9}"/>
+              </a:ext>
+            </a:extLst>
+          </p:cNvPr>
+          <p:cNvSpPr>
+            <a:spLocks noGrp="1"/>
+          </p:cNvSpPr>
+          <p:nvPr>
+            <p:ph type="subTitle" idx="1"/>
+          </p:nvPr>
+        </p:nvSpPr>
+        <p:spPr/>
+        <p:txBody>
+          <a:bodyPr/>
+          <a:lstStyle/>
+          <a:p>
+            <a:endParaRPr lang="en-IN"/>
+          </a:p>
+        </p:txBody>
+      </p:sp>
+    </p:spTree>
+    <p:extLst>
+      <p:ext uri="{BB962C8B-B14F-4D97-AF65-F5344CB8AC3E}">
+        <p14:creationId xmlns:p14="http://schemas.microsoft.com/office/powerpoint/2010/main" val="4069751044"/>
+      </p:ext>
+    </p:extLst>
+  </p:cSld>
+  <p:clrMapOvr>
+    <a:masterClrMapping/>
+  </p:clrMapOvr>
+</p:sld>
+</file>
+
+<file path=ppt/slides/slide19.xml><?xml version="1.0" encoding="utf-8"?>
+<p:sld xmlns:a="http://schemas.openxmlformats.org/drawingml/2006/main" xmlns:r="http://schemas.openxmlformats.org/officeDocument/2006/relationships" xmlns:p="http://schemas.openxmlformats.org/presentationml/2006/main">
+  <p:cSld>
+    <p:spTree>
+      <p:nvGrpSpPr>
+        <p:cNvPr id="1" name=""/>
+        <p:cNvGrpSpPr/>
+        <p:nvPr/>
+      </p:nvGrpSpPr>
+      <p:grpSpPr>
+        <a:xfrm>
+          <a:off x="0" y="0"/>
+          <a:ext cx="0" cy="0"/>
+          <a:chOff x="0" y="0"/>
+          <a:chExt cx="0" cy="0"/>
+        </a:xfrm>
+      </p:grpSpPr>
+      <p:sp>
+        <p:nvSpPr>
+          <p:cNvPr id="2" name="Title 1">
+            <a:extLst>
+              <a:ext uri="{FF2B5EF4-FFF2-40B4-BE49-F238E27FC236}">
+                <a16:creationId xmlns:a16="http://schemas.microsoft.com/office/drawing/2014/main" id="{1B20CB0D-2B32-8BA6-CBB2-76B573E3E0C4}"/>
+              </a:ext>
+            </a:extLst>
+          </p:cNvPr>
+          <p:cNvSpPr>
+            <a:spLocks noGrp="1"/>
+          </p:cNvSpPr>
+          <p:nvPr>
+            <p:ph type="title"/>
+          </p:nvPr>
+        </p:nvSpPr>
+        <p:spPr/>
+        <p:txBody>
+          <a:bodyPr/>
+          <a:lstStyle/>
+          <a:p>
+            <a:r>
+              <a:rPr lang="en-US" dirty="0"/>
+              <a:t>Azure Files</a:t>
+            </a:r>
+            <a:endParaRPr lang="en-IN" dirty="0"/>
+          </a:p>
+        </p:txBody>
+      </p:sp>
+      <p:sp>
+        <p:nvSpPr>
+          <p:cNvPr id="3" name="Content Placeholder 2">
+            <a:extLst>
+              <a:ext uri="{FF2B5EF4-FFF2-40B4-BE49-F238E27FC236}">
+                <a16:creationId xmlns:a16="http://schemas.microsoft.com/office/drawing/2014/main" id="{F7D0211F-17E0-4DD3-8B88-C3348830ACED}"/>
+              </a:ext>
+            </a:extLst>
+          </p:cNvPr>
+          <p:cNvSpPr>
+            <a:spLocks noGrp="1"/>
+          </p:cNvSpPr>
+          <p:nvPr>
+            <p:ph idx="1"/>
+          </p:nvPr>
+        </p:nvSpPr>
+        <p:spPr/>
+        <p:txBody>
+          <a:bodyPr/>
+          <a:lstStyle/>
+          <a:p>
+            <a:r>
+              <a:rPr lang="en-US" dirty="0"/>
+              <a:t>Files shares offer shared storage for application using the industry standard SMB protocol</a:t>
+            </a:r>
+            <a:endParaRPr lang="en-IN" dirty="0"/>
+          </a:p>
+        </p:txBody>
+      </p:sp>
+    </p:spTree>
+    <p:extLst>
+      <p:ext uri="{BB962C8B-B14F-4D97-AF65-F5344CB8AC3E}">
+        <p14:creationId xmlns:p14="http://schemas.microsoft.com/office/powerpoint/2010/main" val="2350448501"/>
+      </p:ext>
+    </p:extLst>
+  </p:cSld>
+  <p:clrMapOvr>
+    <a:masterClrMapping/>
+  </p:clrMapOvr>
+</p:sld>
+</file>
+
 <file path=ppt/slides/slide2.xml><?xml version="1.0" encoding="utf-8"?>
 <p:sld xmlns:a="http://schemas.openxmlformats.org/drawingml/2006/main" xmlns:r="http://schemas.openxmlformats.org/officeDocument/2006/relationships" xmlns:p="http://schemas.openxmlformats.org/presentationml/2006/main">
   <p:cSld>
@@ -6534,6 +6821,504 @@
     <p:extLst>
       <p:ext uri="{BB962C8B-B14F-4D97-AF65-F5344CB8AC3E}">
         <p14:creationId xmlns:p14="http://schemas.microsoft.com/office/powerpoint/2010/main" val="1391107645"/>
+      </p:ext>
+    </p:extLst>
+  </p:cSld>
+  <p:clrMapOvr>
+    <a:masterClrMapping/>
+  </p:clrMapOvr>
+</p:sld>
+</file>
+
+<file path=ppt/slides/slide20.xml><?xml version="1.0" encoding="utf-8"?>
+<p:sld xmlns:a="http://schemas.openxmlformats.org/drawingml/2006/main" xmlns:r="http://schemas.openxmlformats.org/officeDocument/2006/relationships" xmlns:p="http://schemas.openxmlformats.org/presentationml/2006/main">
+  <p:cSld>
+    <p:spTree>
+      <p:nvGrpSpPr>
+        <p:cNvPr id="1" name=""/>
+        <p:cNvGrpSpPr/>
+        <p:nvPr/>
+      </p:nvGrpSpPr>
+      <p:grpSpPr>
+        <a:xfrm>
+          <a:off x="0" y="0"/>
+          <a:ext cx="0" cy="0"/>
+          <a:chOff x="0" y="0"/>
+          <a:chExt cx="0" cy="0"/>
+        </a:xfrm>
+      </p:grpSpPr>
+      <p:sp>
+        <p:nvSpPr>
+          <p:cNvPr id="2" name="Title 1">
+            <a:extLst>
+              <a:ext uri="{FF2B5EF4-FFF2-40B4-BE49-F238E27FC236}">
+                <a16:creationId xmlns:a16="http://schemas.microsoft.com/office/drawing/2014/main" id="{CAABF184-0399-597C-3E17-D756548A75BF}"/>
+              </a:ext>
+            </a:extLst>
+          </p:cNvPr>
+          <p:cNvSpPr>
+            <a:spLocks noGrp="1"/>
+          </p:cNvSpPr>
+          <p:nvPr>
+            <p:ph type="title"/>
+          </p:nvPr>
+        </p:nvSpPr>
+        <p:spPr/>
+        <p:txBody>
+          <a:bodyPr/>
+          <a:lstStyle/>
+          <a:p>
+            <a:r>
+              <a:rPr lang="en-US" dirty="0"/>
+              <a:t>Common Use cases</a:t>
+            </a:r>
+            <a:endParaRPr lang="en-IN" dirty="0"/>
+          </a:p>
+        </p:txBody>
+      </p:sp>
+      <p:sp>
+        <p:nvSpPr>
+          <p:cNvPr id="3" name="Content Placeholder 2">
+            <a:extLst>
+              <a:ext uri="{FF2B5EF4-FFF2-40B4-BE49-F238E27FC236}">
+                <a16:creationId xmlns:a16="http://schemas.microsoft.com/office/drawing/2014/main" id="{94B20B04-9252-864C-D82A-53BB45558E85}"/>
+              </a:ext>
+            </a:extLst>
+          </p:cNvPr>
+          <p:cNvSpPr>
+            <a:spLocks noGrp="1"/>
+          </p:cNvSpPr>
+          <p:nvPr>
+            <p:ph idx="1"/>
+          </p:nvPr>
+        </p:nvSpPr>
+        <p:spPr/>
+        <p:txBody>
+          <a:bodyPr/>
+          <a:lstStyle/>
+          <a:p>
+            <a:r>
+              <a:rPr lang="en-US" dirty="0"/>
+              <a:t>Replace and supplement</a:t>
+            </a:r>
+          </a:p>
+          <a:p>
+            <a:r>
+              <a:rPr lang="en-US" dirty="0"/>
+              <a:t>Access Anywhere</a:t>
+            </a:r>
+          </a:p>
+          <a:p>
+            <a:r>
+              <a:rPr lang="en-US" dirty="0"/>
+              <a:t>Lift and shift</a:t>
+            </a:r>
+          </a:p>
+          <a:p>
+            <a:r>
+              <a:rPr lang="en-US" dirty="0"/>
+              <a:t>Shared Applications</a:t>
+            </a:r>
+          </a:p>
+          <a:p>
+            <a:r>
+              <a:rPr lang="en-US" dirty="0"/>
+              <a:t>Diagnostic Data</a:t>
+            </a:r>
+          </a:p>
+          <a:p>
+            <a:r>
+              <a:rPr lang="en-US" dirty="0"/>
+              <a:t>Tools and utilities</a:t>
+            </a:r>
+            <a:endParaRPr lang="en-IN" dirty="0"/>
+          </a:p>
+        </p:txBody>
+      </p:sp>
+    </p:spTree>
+    <p:extLst>
+      <p:ext uri="{BB962C8B-B14F-4D97-AF65-F5344CB8AC3E}">
+        <p14:creationId xmlns:p14="http://schemas.microsoft.com/office/powerpoint/2010/main" val="3429259532"/>
+      </p:ext>
+    </p:extLst>
+  </p:cSld>
+  <p:clrMapOvr>
+    <a:masterClrMapping/>
+  </p:clrMapOvr>
+</p:sld>
+</file>
+
+<file path=ppt/slides/slide21.xml><?xml version="1.0" encoding="utf-8"?>
+<p:sld xmlns:a="http://schemas.openxmlformats.org/drawingml/2006/main" xmlns:r="http://schemas.openxmlformats.org/officeDocument/2006/relationships" xmlns:p="http://schemas.openxmlformats.org/presentationml/2006/main">
+  <p:cSld>
+    <p:spTree>
+      <p:nvGrpSpPr>
+        <p:cNvPr id="1" name=""/>
+        <p:cNvGrpSpPr/>
+        <p:nvPr/>
+      </p:nvGrpSpPr>
+      <p:grpSpPr>
+        <a:xfrm>
+          <a:off x="0" y="0"/>
+          <a:ext cx="0" cy="0"/>
+          <a:chOff x="0" y="0"/>
+          <a:chExt cx="0" cy="0"/>
+        </a:xfrm>
+      </p:grpSpPr>
+      <p:sp>
+        <p:nvSpPr>
+          <p:cNvPr id="2" name="Title 1">
+            <a:extLst>
+              <a:ext uri="{FF2B5EF4-FFF2-40B4-BE49-F238E27FC236}">
+                <a16:creationId xmlns:a16="http://schemas.microsoft.com/office/drawing/2014/main" id="{D33F9D0B-5254-43BB-6AD9-52F89C42E93A}"/>
+              </a:ext>
+            </a:extLst>
+          </p:cNvPr>
+          <p:cNvSpPr>
+            <a:spLocks noGrp="1"/>
+          </p:cNvSpPr>
+          <p:nvPr>
+            <p:ph type="title"/>
+          </p:nvPr>
+        </p:nvSpPr>
+        <p:spPr/>
+        <p:txBody>
+          <a:bodyPr/>
+          <a:lstStyle/>
+          <a:p>
+            <a:r>
+              <a:rPr lang="en-US" dirty="0"/>
+              <a:t>Files vs Blobs</a:t>
+            </a:r>
+            <a:endParaRPr lang="en-IN" dirty="0"/>
+          </a:p>
+        </p:txBody>
+      </p:sp>
+      <p:sp>
+        <p:nvSpPr>
+          <p:cNvPr id="3" name="Content Placeholder 2">
+            <a:extLst>
+              <a:ext uri="{FF2B5EF4-FFF2-40B4-BE49-F238E27FC236}">
+                <a16:creationId xmlns:a16="http://schemas.microsoft.com/office/drawing/2014/main" id="{8FEDC280-3008-5380-4568-F1A9A7C57867}"/>
+              </a:ext>
+            </a:extLst>
+          </p:cNvPr>
+          <p:cNvSpPr>
+            <a:spLocks noGrp="1"/>
+          </p:cNvSpPr>
+          <p:nvPr>
+            <p:ph idx="1"/>
+          </p:nvPr>
+        </p:nvSpPr>
+        <p:spPr/>
+        <p:txBody>
+          <a:bodyPr/>
+          <a:lstStyle/>
+          <a:p>
+            <a:r>
+              <a:rPr lang="en-US" dirty="0"/>
+              <a:t>Azure files are true directory objects. Azure blobs are a flat namespace</a:t>
+            </a:r>
+          </a:p>
+          <a:p>
+            <a:r>
+              <a:rPr lang="en-US" dirty="0"/>
+              <a:t>Azure files are accessed through file shares. Azure blobs are accessed through a container</a:t>
+            </a:r>
+          </a:p>
+          <a:p>
+            <a:r>
+              <a:rPr lang="en-US" dirty="0"/>
+              <a:t>Azure files provide shared access across multiple virtual machines.</a:t>
+            </a:r>
+            <a:endParaRPr lang="en-IN" dirty="0"/>
+          </a:p>
+        </p:txBody>
+      </p:sp>
+    </p:spTree>
+    <p:extLst>
+      <p:ext uri="{BB962C8B-B14F-4D97-AF65-F5344CB8AC3E}">
+        <p14:creationId xmlns:p14="http://schemas.microsoft.com/office/powerpoint/2010/main" val="630339739"/>
+      </p:ext>
+    </p:extLst>
+  </p:cSld>
+  <p:clrMapOvr>
+    <a:masterClrMapping/>
+  </p:clrMapOvr>
+</p:sld>
+</file>
+
+<file path=ppt/slides/slide22.xml><?xml version="1.0" encoding="utf-8"?>
+<p:sld xmlns:a="http://schemas.openxmlformats.org/drawingml/2006/main" xmlns:r="http://schemas.openxmlformats.org/officeDocument/2006/relationships" xmlns:p="http://schemas.openxmlformats.org/presentationml/2006/main">
+  <p:cSld>
+    <p:spTree>
+      <p:nvGrpSpPr>
+        <p:cNvPr id="1" name=""/>
+        <p:cNvGrpSpPr/>
+        <p:nvPr/>
+      </p:nvGrpSpPr>
+      <p:grpSpPr>
+        <a:xfrm>
+          <a:off x="0" y="0"/>
+          <a:ext cx="0" cy="0"/>
+          <a:chOff x="0" y="0"/>
+          <a:chExt cx="0" cy="0"/>
+        </a:xfrm>
+      </p:grpSpPr>
+      <p:sp>
+        <p:nvSpPr>
+          <p:cNvPr id="2" name="Title 1">
+            <a:extLst>
+              <a:ext uri="{FF2B5EF4-FFF2-40B4-BE49-F238E27FC236}">
+                <a16:creationId xmlns:a16="http://schemas.microsoft.com/office/drawing/2014/main" id="{33C02C27-F57F-1021-B39B-A75BB0D81EA1}"/>
+              </a:ext>
+            </a:extLst>
+          </p:cNvPr>
+          <p:cNvSpPr>
+            <a:spLocks noGrp="1"/>
+          </p:cNvSpPr>
+          <p:nvPr>
+            <p:ph type="title"/>
+          </p:nvPr>
+        </p:nvSpPr>
+        <p:spPr/>
+        <p:txBody>
+          <a:bodyPr/>
+          <a:lstStyle/>
+          <a:p>
+            <a:r>
+              <a:rPr lang="en-US" dirty="0"/>
+              <a:t>Creating File Shares</a:t>
+            </a:r>
+            <a:endParaRPr lang="en-IN" dirty="0"/>
+          </a:p>
+        </p:txBody>
+      </p:sp>
+      <p:sp>
+        <p:nvSpPr>
+          <p:cNvPr id="3" name="Content Placeholder 2">
+            <a:extLst>
+              <a:ext uri="{FF2B5EF4-FFF2-40B4-BE49-F238E27FC236}">
+                <a16:creationId xmlns:a16="http://schemas.microsoft.com/office/drawing/2014/main" id="{398565AF-B2DB-4A13-4F19-0842DDFB331F}"/>
+              </a:ext>
+            </a:extLst>
+          </p:cNvPr>
+          <p:cNvSpPr>
+            <a:spLocks noGrp="1"/>
+          </p:cNvSpPr>
+          <p:nvPr>
+            <p:ph idx="1"/>
+          </p:nvPr>
+        </p:nvSpPr>
+        <p:spPr/>
+        <p:txBody>
+          <a:bodyPr/>
+          <a:lstStyle/>
+          <a:p>
+            <a:endParaRPr lang="en-IN"/>
+          </a:p>
+        </p:txBody>
+      </p:sp>
+    </p:spTree>
+    <p:extLst>
+      <p:ext uri="{BB962C8B-B14F-4D97-AF65-F5344CB8AC3E}">
+        <p14:creationId xmlns:p14="http://schemas.microsoft.com/office/powerpoint/2010/main" val="3770764273"/>
+      </p:ext>
+    </p:extLst>
+  </p:cSld>
+  <p:clrMapOvr>
+    <a:masterClrMapping/>
+  </p:clrMapOvr>
+</p:sld>
+</file>
+
+<file path=ppt/slides/slide23.xml><?xml version="1.0" encoding="utf-8"?>
+<p:sld xmlns:a="http://schemas.openxmlformats.org/drawingml/2006/main" xmlns:r="http://schemas.openxmlformats.org/officeDocument/2006/relationships" xmlns:p="http://schemas.openxmlformats.org/presentationml/2006/main">
+  <p:cSld>
+    <p:spTree>
+      <p:nvGrpSpPr>
+        <p:cNvPr id="1" name=""/>
+        <p:cNvGrpSpPr/>
+        <p:nvPr/>
+      </p:nvGrpSpPr>
+      <p:grpSpPr>
+        <a:xfrm>
+          <a:off x="0" y="0"/>
+          <a:ext cx="0" cy="0"/>
+          <a:chOff x="0" y="0"/>
+          <a:chExt cx="0" cy="0"/>
+        </a:xfrm>
+      </p:grpSpPr>
+      <p:sp>
+        <p:nvSpPr>
+          <p:cNvPr id="2" name="Title 1">
+            <a:extLst>
+              <a:ext uri="{FF2B5EF4-FFF2-40B4-BE49-F238E27FC236}">
+                <a16:creationId xmlns:a16="http://schemas.microsoft.com/office/drawing/2014/main" id="{F856A893-3D02-F45B-00D3-714270C2DA61}"/>
+              </a:ext>
+            </a:extLst>
+          </p:cNvPr>
+          <p:cNvSpPr>
+            <a:spLocks noGrp="1"/>
+          </p:cNvSpPr>
+          <p:nvPr>
+            <p:ph type="ctrTitle"/>
+          </p:nvPr>
+        </p:nvSpPr>
+        <p:spPr/>
+        <p:txBody>
+          <a:bodyPr/>
+          <a:lstStyle/>
+          <a:p>
+            <a:r>
+              <a:rPr lang="en-US" dirty="0"/>
+              <a:t>Storage Security</a:t>
+            </a:r>
+            <a:endParaRPr lang="en-IN" dirty="0"/>
+          </a:p>
+        </p:txBody>
+      </p:sp>
+      <p:sp>
+        <p:nvSpPr>
+          <p:cNvPr id="3" name="Subtitle 2">
+            <a:extLst>
+              <a:ext uri="{FF2B5EF4-FFF2-40B4-BE49-F238E27FC236}">
+                <a16:creationId xmlns:a16="http://schemas.microsoft.com/office/drawing/2014/main" id="{E9A2A063-2059-5CFC-AE5B-B889D80E8BF3}"/>
+              </a:ext>
+            </a:extLst>
+          </p:cNvPr>
+          <p:cNvSpPr>
+            <a:spLocks noGrp="1"/>
+          </p:cNvSpPr>
+          <p:nvPr>
+            <p:ph type="subTitle" idx="1"/>
+          </p:nvPr>
+        </p:nvSpPr>
+        <p:spPr/>
+        <p:txBody>
+          <a:bodyPr/>
+          <a:lstStyle/>
+          <a:p>
+            <a:endParaRPr lang="en-IN"/>
+          </a:p>
+        </p:txBody>
+      </p:sp>
+    </p:spTree>
+    <p:extLst>
+      <p:ext uri="{BB962C8B-B14F-4D97-AF65-F5344CB8AC3E}">
+        <p14:creationId xmlns:p14="http://schemas.microsoft.com/office/powerpoint/2010/main" val="614676270"/>
+      </p:ext>
+    </p:extLst>
+  </p:cSld>
+  <p:clrMapOvr>
+    <a:masterClrMapping/>
+  </p:clrMapOvr>
+</p:sld>
+</file>
+
+<file path=ppt/slides/slide24.xml><?xml version="1.0" encoding="utf-8"?>
+<p:sld xmlns:a="http://schemas.openxmlformats.org/drawingml/2006/main" xmlns:r="http://schemas.openxmlformats.org/officeDocument/2006/relationships" xmlns:p="http://schemas.openxmlformats.org/presentationml/2006/main">
+  <p:cSld>
+    <p:spTree>
+      <p:nvGrpSpPr>
+        <p:cNvPr id="1" name=""/>
+        <p:cNvGrpSpPr/>
+        <p:nvPr/>
+      </p:nvGrpSpPr>
+      <p:grpSpPr>
+        <a:xfrm>
+          <a:off x="0" y="0"/>
+          <a:ext cx="0" cy="0"/>
+          <a:chOff x="0" y="0"/>
+          <a:chExt cx="0" cy="0"/>
+        </a:xfrm>
+      </p:grpSpPr>
+      <p:sp>
+        <p:nvSpPr>
+          <p:cNvPr id="2" name="Title 1">
+            <a:extLst>
+              <a:ext uri="{FF2B5EF4-FFF2-40B4-BE49-F238E27FC236}">
+                <a16:creationId xmlns:a16="http://schemas.microsoft.com/office/drawing/2014/main" id="{270CB071-6BBE-A2A1-E2E7-76F4226CC015}"/>
+              </a:ext>
+            </a:extLst>
+          </p:cNvPr>
+          <p:cNvSpPr>
+            <a:spLocks noGrp="1"/>
+          </p:cNvSpPr>
+          <p:nvPr>
+            <p:ph type="title"/>
+          </p:nvPr>
+        </p:nvSpPr>
+        <p:spPr/>
+        <p:txBody>
+          <a:bodyPr/>
+          <a:lstStyle/>
+          <a:p>
+            <a:r>
+              <a:rPr lang="en-US" dirty="0"/>
+              <a:t>Storage Security</a:t>
+            </a:r>
+            <a:endParaRPr lang="en-IN" dirty="0"/>
+          </a:p>
+        </p:txBody>
+      </p:sp>
+      <p:sp>
+        <p:nvSpPr>
+          <p:cNvPr id="3" name="Content Placeholder 2">
+            <a:extLst>
+              <a:ext uri="{FF2B5EF4-FFF2-40B4-BE49-F238E27FC236}">
+                <a16:creationId xmlns:a16="http://schemas.microsoft.com/office/drawing/2014/main" id="{4C0CC951-7555-F3DE-6379-0AB54AD5D1D1}"/>
+              </a:ext>
+            </a:extLst>
+          </p:cNvPr>
+          <p:cNvSpPr>
+            <a:spLocks noGrp="1"/>
+          </p:cNvSpPr>
+          <p:nvPr>
+            <p:ph idx="1"/>
+          </p:nvPr>
+        </p:nvSpPr>
+        <p:spPr/>
+        <p:txBody>
+          <a:bodyPr/>
+          <a:lstStyle/>
+          <a:p>
+            <a:r>
+              <a:rPr lang="en-US" dirty="0"/>
+              <a:t>Encryption</a:t>
+            </a:r>
+          </a:p>
+          <a:p>
+            <a:r>
+              <a:rPr lang="en-US" dirty="0"/>
+              <a:t>Authentication – Azure Active Directory and Role-Based Access Control</a:t>
+            </a:r>
+          </a:p>
+          <a:p>
+            <a:r>
+              <a:rPr lang="en-US" dirty="0"/>
+              <a:t>Data in transit – HTTPS and SMB</a:t>
+            </a:r>
+          </a:p>
+          <a:p>
+            <a:r>
+              <a:rPr lang="en-US" dirty="0"/>
+              <a:t>Disk Encryption</a:t>
+            </a:r>
+          </a:p>
+          <a:p>
+            <a:r>
+              <a:rPr lang="en-US" dirty="0"/>
+              <a:t>Shared Access Signature</a:t>
+            </a:r>
+            <a:endParaRPr lang="en-IN" dirty="0"/>
+          </a:p>
+        </p:txBody>
+      </p:sp>
+    </p:spTree>
+    <p:extLst>
+      <p:ext uri="{BB962C8B-B14F-4D97-AF65-F5344CB8AC3E}">
+        <p14:creationId xmlns:p14="http://schemas.microsoft.com/office/powerpoint/2010/main" val="957155437"/>
       </p:ext>
     </p:extLst>
   </p:cSld>
@@ -6630,8 +7415,8 @@
           </a:p>
         </p:txBody>
       </p:sp>
-      <mc:AlternateContent xmlns:mc="http://schemas.openxmlformats.org/markup-compatibility/2006">
-        <mc:Choice xmlns:p14="http://schemas.microsoft.com/office/powerpoint/2010/main" Requires="p14">
+      <mc:AlternateContent xmlns:mc="http://schemas.openxmlformats.org/markup-compatibility/2006" xmlns:p14="http://schemas.microsoft.com/office/powerpoint/2010/main">
+        <mc:Choice Requires="p14">
           <p:contentPart p14:bwMode="auto" r:id="rId2">
             <p14:nvContentPartPr>
               <p14:cNvPr id="5" name="Ink 4">
@@ -6650,7 +7435,7 @@
             </p14:xfrm>
           </p:contentPart>
         </mc:Choice>
-        <mc:Fallback>
+        <mc:Fallback xmlns="">
           <p:pic>
             <p:nvPicPr>
               <p:cNvPr id="5" name="Ink 4">
@@ -6681,8 +7466,8 @@
           </p:pic>
         </mc:Fallback>
       </mc:AlternateContent>
-      <mc:AlternateContent xmlns:mc="http://schemas.openxmlformats.org/markup-compatibility/2006">
-        <mc:Choice xmlns:p14="http://schemas.microsoft.com/office/powerpoint/2010/main" Requires="p14">
+      <mc:AlternateContent xmlns:mc="http://schemas.openxmlformats.org/markup-compatibility/2006" xmlns:p14="http://schemas.microsoft.com/office/powerpoint/2010/main">
+        <mc:Choice Requires="p14">
           <p:contentPart p14:bwMode="auto" r:id="rId4">
             <p14:nvContentPartPr>
               <p14:cNvPr id="6" name="Ink 5">
@@ -6701,7 +7486,7 @@
             </p14:xfrm>
           </p:contentPart>
         </mc:Choice>
-        <mc:Fallback>
+        <mc:Fallback xmlns="">
           <p:pic>
             <p:nvPicPr>
               <p:cNvPr id="6" name="Ink 5">
@@ -6732,8 +7517,8 @@
           </p:pic>
         </mc:Fallback>
       </mc:AlternateContent>
-      <mc:AlternateContent xmlns:mc="http://schemas.openxmlformats.org/markup-compatibility/2006">
-        <mc:Choice xmlns:p14="http://schemas.microsoft.com/office/powerpoint/2010/main" Requires="p14">
+      <mc:AlternateContent xmlns:mc="http://schemas.openxmlformats.org/markup-compatibility/2006" xmlns:p14="http://schemas.microsoft.com/office/powerpoint/2010/main">
+        <mc:Choice Requires="p14">
           <p:contentPart p14:bwMode="auto" r:id="rId6">
             <p14:nvContentPartPr>
               <p14:cNvPr id="7" name="Ink 6">
@@ -6752,7 +7537,7 @@
             </p14:xfrm>
           </p:contentPart>
         </mc:Choice>
-        <mc:Fallback>
+        <mc:Fallback xmlns="">
           <p:pic>
             <p:nvPicPr>
               <p:cNvPr id="7" name="Ink 6">
@@ -6897,8 +7682,8 @@
           </a:p>
         </p:txBody>
       </p:sp>
-      <mc:AlternateContent xmlns:mc="http://schemas.openxmlformats.org/markup-compatibility/2006">
-        <mc:Choice xmlns:p14="http://schemas.microsoft.com/office/powerpoint/2010/main" Requires="p14">
+      <mc:AlternateContent xmlns:mc="http://schemas.openxmlformats.org/markup-compatibility/2006" xmlns:p14="http://schemas.microsoft.com/office/powerpoint/2010/main">
+        <mc:Choice Requires="p14">
           <p:contentPart p14:bwMode="auto" r:id="rId2">
             <p14:nvContentPartPr>
               <p14:cNvPr id="4" name="Ink 3">
@@ -6917,7 +7702,7 @@
             </p14:xfrm>
           </p:contentPart>
         </mc:Choice>
-        <mc:Fallback>
+        <mc:Fallback xmlns="">
           <p:pic>
             <p:nvPicPr>
               <p:cNvPr id="4" name="Ink 3">
@@ -6948,8 +7733,8 @@
           </p:pic>
         </mc:Fallback>
       </mc:AlternateContent>
-      <mc:AlternateContent xmlns:mc="http://schemas.openxmlformats.org/markup-compatibility/2006">
-        <mc:Choice xmlns:p14="http://schemas.microsoft.com/office/powerpoint/2010/main" Requires="p14">
+      <mc:AlternateContent xmlns:mc="http://schemas.openxmlformats.org/markup-compatibility/2006" xmlns:p14="http://schemas.microsoft.com/office/powerpoint/2010/main">
+        <mc:Choice Requires="p14">
           <p:contentPart p14:bwMode="auto" r:id="rId4">
             <p14:nvContentPartPr>
               <p14:cNvPr id="5" name="Ink 4">
@@ -6968,7 +7753,7 @@
             </p14:xfrm>
           </p:contentPart>
         </mc:Choice>
-        <mc:Fallback>
+        <mc:Fallback xmlns="">
           <p:pic>
             <p:nvPicPr>
               <p:cNvPr id="5" name="Ink 4">
@@ -7175,13 +7960,8 @@
           <a:p>
             <a:r>
               <a:rPr lang="en-US" dirty="0"/>
-              <a:t>General Purpose v2 account - </a:t>
-            </a:r>
-            <a:r>
-              <a:rPr lang="en-US" dirty="0" err="1"/>
-              <a:t>Recommedation</a:t>
-            </a:r>
-            <a:endParaRPr lang="en-US" dirty="0"/>
+              <a:t>General Purpose v2 account - Recommendation</a:t>
+            </a:r>
           </a:p>
           <a:p>
             <a:r>
@@ -7469,8 +8249,8 @@
             <a:chExt cx="416520" cy="246960"/>
           </a:xfrm>
         </p:grpSpPr>
-        <mc:AlternateContent xmlns:mc="http://schemas.openxmlformats.org/markup-compatibility/2006">
-          <mc:Choice xmlns:p14="http://schemas.microsoft.com/office/powerpoint/2010/main" Requires="p14">
+        <mc:AlternateContent xmlns:mc="http://schemas.openxmlformats.org/markup-compatibility/2006" xmlns:p14="http://schemas.microsoft.com/office/powerpoint/2010/main">
+          <mc:Choice Requires="p14">
             <p:contentPart p14:bwMode="auto" r:id="rId2">
               <p14:nvContentPartPr>
                 <p14:cNvPr id="4" name="Ink 3">
@@ -7489,7 +8269,7 @@
               </p14:xfrm>
             </p:contentPart>
           </mc:Choice>
-          <mc:Fallback>
+          <mc:Fallback xmlns="">
             <p:pic>
               <p:nvPicPr>
                 <p:cNvPr id="4" name="Ink 3">
@@ -7520,8 +8300,8 @@
             </p:pic>
           </mc:Fallback>
         </mc:AlternateContent>
-        <mc:AlternateContent xmlns:mc="http://schemas.openxmlformats.org/markup-compatibility/2006">
-          <mc:Choice xmlns:p14="http://schemas.microsoft.com/office/powerpoint/2010/main" Requires="p14">
+        <mc:AlternateContent xmlns:mc="http://schemas.openxmlformats.org/markup-compatibility/2006" xmlns:p14="http://schemas.microsoft.com/office/powerpoint/2010/main">
+          <mc:Choice Requires="p14">
             <p:contentPart p14:bwMode="auto" r:id="rId4">
               <p14:nvContentPartPr>
                 <p14:cNvPr id="5" name="Ink 4">
@@ -7540,7 +8320,7 @@
               </p14:xfrm>
             </p:contentPart>
           </mc:Choice>
-          <mc:Fallback>
+          <mc:Fallback xmlns="">
             <p:pic>
               <p:nvPicPr>
                 <p:cNvPr id="5" name="Ink 4">
@@ -7592,8 +8372,8 @@
             <a:chExt cx="418680" cy="222840"/>
           </a:xfrm>
         </p:grpSpPr>
-        <mc:AlternateContent xmlns:mc="http://schemas.openxmlformats.org/markup-compatibility/2006">
-          <mc:Choice xmlns:p14="http://schemas.microsoft.com/office/powerpoint/2010/main" Requires="p14">
+        <mc:AlternateContent xmlns:mc="http://schemas.openxmlformats.org/markup-compatibility/2006" xmlns:p14="http://schemas.microsoft.com/office/powerpoint/2010/main">
+          <mc:Choice Requires="p14">
             <p:contentPart p14:bwMode="auto" r:id="rId6">
               <p14:nvContentPartPr>
                 <p14:cNvPr id="6" name="Ink 5">
@@ -7612,7 +8392,7 @@
               </p14:xfrm>
             </p:contentPart>
           </mc:Choice>
-          <mc:Fallback>
+          <mc:Fallback xmlns="">
             <p:pic>
               <p:nvPicPr>
                 <p:cNvPr id="6" name="Ink 5">
@@ -7643,8 +8423,8 @@
             </p:pic>
           </mc:Fallback>
         </mc:AlternateContent>
-        <mc:AlternateContent xmlns:mc="http://schemas.openxmlformats.org/markup-compatibility/2006">
-          <mc:Choice xmlns:p14="http://schemas.microsoft.com/office/powerpoint/2010/main" Requires="p14">
+        <mc:AlternateContent xmlns:mc="http://schemas.openxmlformats.org/markup-compatibility/2006" xmlns:p14="http://schemas.microsoft.com/office/powerpoint/2010/main">
+          <mc:Choice Requires="p14">
             <p:contentPart p14:bwMode="auto" r:id="rId8">
               <p14:nvContentPartPr>
                 <p14:cNvPr id="7" name="Ink 6">
@@ -7663,7 +8443,7 @@
               </p14:xfrm>
             </p:contentPart>
           </mc:Choice>
-          <mc:Fallback>
+          <mc:Fallback xmlns="">
             <p:pic>
               <p:nvPicPr>
                 <p:cNvPr id="7" name="Ink 6">
@@ -7695,8 +8475,8 @@
           </mc:Fallback>
         </mc:AlternateContent>
       </p:grpSp>
-      <mc:AlternateContent xmlns:mc="http://schemas.openxmlformats.org/markup-compatibility/2006">
-        <mc:Choice xmlns:p14="http://schemas.microsoft.com/office/powerpoint/2010/main" Requires="p14">
+      <mc:AlternateContent xmlns:mc="http://schemas.openxmlformats.org/markup-compatibility/2006" xmlns:p14="http://schemas.microsoft.com/office/powerpoint/2010/main">
+        <mc:Choice Requires="p14">
           <p:contentPart p14:bwMode="auto" r:id="rId10">
             <p14:nvContentPartPr>
               <p14:cNvPr id="10" name="Ink 9">
@@ -7715,7 +8495,7 @@
             </p14:xfrm>
           </p:contentPart>
         </mc:Choice>
-        <mc:Fallback>
+        <mc:Fallback xmlns="">
           <p:pic>
             <p:nvPicPr>
               <p:cNvPr id="10" name="Ink 9">
@@ -7746,8 +8526,8 @@
           </p:pic>
         </mc:Fallback>
       </mc:AlternateContent>
-      <mc:AlternateContent xmlns:mc="http://schemas.openxmlformats.org/markup-compatibility/2006">
-        <mc:Choice xmlns:p14="http://schemas.microsoft.com/office/powerpoint/2010/main" Requires="p14">
+      <mc:AlternateContent xmlns:mc="http://schemas.openxmlformats.org/markup-compatibility/2006" xmlns:p14="http://schemas.microsoft.com/office/powerpoint/2010/main">
+        <mc:Choice Requires="p14">
           <p:contentPart p14:bwMode="auto" r:id="rId12">
             <p14:nvContentPartPr>
               <p14:cNvPr id="11" name="Ink 10">
@@ -7766,7 +8546,7 @@
             </p14:xfrm>
           </p:contentPart>
         </mc:Choice>
-        <mc:Fallback>
+        <mc:Fallback xmlns="">
           <p:pic>
             <p:nvPicPr>
               <p:cNvPr id="11" name="Ink 10">
@@ -7797,8 +8577,8 @@
           </p:pic>
         </mc:Fallback>
       </mc:AlternateContent>
-      <mc:AlternateContent xmlns:mc="http://schemas.openxmlformats.org/markup-compatibility/2006">
-        <mc:Choice xmlns:p14="http://schemas.microsoft.com/office/powerpoint/2010/main" Requires="p14">
+      <mc:AlternateContent xmlns:mc="http://schemas.openxmlformats.org/markup-compatibility/2006" xmlns:p14="http://schemas.microsoft.com/office/powerpoint/2010/main">
+        <mc:Choice Requires="p14">
           <p:contentPart p14:bwMode="auto" r:id="rId14">
             <p14:nvContentPartPr>
               <p14:cNvPr id="12" name="Ink 11">
@@ -7817,7 +8597,7 @@
             </p14:xfrm>
           </p:contentPart>
         </mc:Choice>
-        <mc:Fallback>
+        <mc:Fallback xmlns="">
           <p:pic>
             <p:nvPicPr>
               <p:cNvPr id="12" name="Ink 11">
@@ -7848,8 +8628,8 @@
           </p:pic>
         </mc:Fallback>
       </mc:AlternateContent>
-      <mc:AlternateContent xmlns:mc="http://schemas.openxmlformats.org/markup-compatibility/2006">
-        <mc:Choice xmlns:p14="http://schemas.microsoft.com/office/powerpoint/2010/main" Requires="p14">
+      <mc:AlternateContent xmlns:mc="http://schemas.openxmlformats.org/markup-compatibility/2006" xmlns:p14="http://schemas.microsoft.com/office/powerpoint/2010/main">
+        <mc:Choice Requires="p14">
           <p:contentPart p14:bwMode="auto" r:id="rId16">
             <p14:nvContentPartPr>
               <p14:cNvPr id="23" name="Ink 22">
@@ -7868,7 +8648,7 @@
             </p14:xfrm>
           </p:contentPart>
         </mc:Choice>
-        <mc:Fallback>
+        <mc:Fallback xmlns="">
           <p:pic>
             <p:nvPicPr>
               <p:cNvPr id="23" name="Ink 22">
@@ -7899,8 +8679,8 @@
           </p:pic>
         </mc:Fallback>
       </mc:AlternateContent>
-      <mc:AlternateContent xmlns:mc="http://schemas.openxmlformats.org/markup-compatibility/2006">
-        <mc:Choice xmlns:p14="http://schemas.microsoft.com/office/powerpoint/2010/main" Requires="p14">
+      <mc:AlternateContent xmlns:mc="http://schemas.openxmlformats.org/markup-compatibility/2006" xmlns:p14="http://schemas.microsoft.com/office/powerpoint/2010/main">
+        <mc:Choice Requires="p14">
           <p:contentPart p14:bwMode="auto" r:id="rId18">
             <p14:nvContentPartPr>
               <p14:cNvPr id="24" name="Ink 23">
@@ -7919,7 +8699,7 @@
             </p14:xfrm>
           </p:contentPart>
         </mc:Choice>
-        <mc:Fallback>
+        <mc:Fallback xmlns="">
           <p:pic>
             <p:nvPicPr>
               <p:cNvPr id="24" name="Ink 23">
@@ -7950,8 +8730,8 @@
           </p:pic>
         </mc:Fallback>
       </mc:AlternateContent>
-      <mc:AlternateContent xmlns:mc="http://schemas.openxmlformats.org/markup-compatibility/2006">
-        <mc:Choice xmlns:p14="http://schemas.microsoft.com/office/powerpoint/2010/main" Requires="p14">
+      <mc:AlternateContent xmlns:mc="http://schemas.openxmlformats.org/markup-compatibility/2006" xmlns:p14="http://schemas.microsoft.com/office/powerpoint/2010/main">
+        <mc:Choice Requires="p14">
           <p:contentPart p14:bwMode="auto" r:id="rId20">
             <p14:nvContentPartPr>
               <p14:cNvPr id="25" name="Ink 24">
@@ -7970,7 +8750,7 @@
             </p14:xfrm>
           </p:contentPart>
         </mc:Choice>
-        <mc:Fallback>
+        <mc:Fallback xmlns="">
           <p:pic>
             <p:nvPicPr>
               <p:cNvPr id="25" name="Ink 24">
@@ -8001,8 +8781,8 @@
           </p:pic>
         </mc:Fallback>
       </mc:AlternateContent>
-      <mc:AlternateContent xmlns:mc="http://schemas.openxmlformats.org/markup-compatibility/2006">
-        <mc:Choice xmlns:p14="http://schemas.microsoft.com/office/powerpoint/2010/main" Requires="p14">
+      <mc:AlternateContent xmlns:mc="http://schemas.openxmlformats.org/markup-compatibility/2006" xmlns:p14="http://schemas.microsoft.com/office/powerpoint/2010/main">
+        <mc:Choice Requires="p14">
           <p:contentPart p14:bwMode="auto" r:id="rId22">
             <p14:nvContentPartPr>
               <p14:cNvPr id="26" name="Ink 25">
@@ -8021,7 +8801,7 @@
             </p14:xfrm>
           </p:contentPart>
         </mc:Choice>
-        <mc:Fallback>
+        <mc:Fallback xmlns="">
           <p:pic>
             <p:nvPicPr>
               <p:cNvPr id="26" name="Ink 25">
@@ -8052,8 +8832,8 @@
           </p:pic>
         </mc:Fallback>
       </mc:AlternateContent>
-      <mc:AlternateContent xmlns:mc="http://schemas.openxmlformats.org/markup-compatibility/2006">
-        <mc:Choice xmlns:p14="http://schemas.microsoft.com/office/powerpoint/2010/main" Requires="p14">
+      <mc:AlternateContent xmlns:mc="http://schemas.openxmlformats.org/markup-compatibility/2006" xmlns:p14="http://schemas.microsoft.com/office/powerpoint/2010/main">
+        <mc:Choice Requires="p14">
           <p:contentPart p14:bwMode="auto" r:id="rId24">
             <p14:nvContentPartPr>
               <p14:cNvPr id="33" name="Ink 32">
@@ -8072,7 +8852,7 @@
             </p14:xfrm>
           </p:contentPart>
         </mc:Choice>
-        <mc:Fallback>
+        <mc:Fallback xmlns="">
           <p:pic>
             <p:nvPicPr>
               <p:cNvPr id="33" name="Ink 32">
